--- a/05 - Boolean Algebra.pptx
+++ b/05 - Boolean Algebra.pptx
@@ -14522,7 +14522,7 @@
         <p:spPr>
           <a:xfrm>
             <a:off x="5530850" y="2514383"/>
-            <a:ext cx="1917700" cy="508000"/>
+            <a:ext cx="1929780" cy="511200"/>
           </a:xfrm>
           <a:prstGeom prst="rect">
             <a:avLst/>
@@ -14635,7 +14635,7 @@
         </p:nvSpPr>
         <p:spPr>
           <a:xfrm>
-            <a:off x="162750" y="1212537"/>
+            <a:off x="162750" y="964887"/>
             <a:ext cx="8818500" cy="5354518"/>
           </a:xfrm>
           <a:prstGeom prst="rect">
@@ -14652,6 +14652,14 @@
               <a:rPr lang="en-GB" dirty="0"/>
               <a:t>Describe how to simplify equations involving more than one variable:</a:t>
             </a:r>
+          </a:p>
+          <a:p>
+            <a:endParaRPr lang="en-GB" dirty="0"/>
+          </a:p>
+          <a:p>
+            <a:pPr marL="120650" indent="0">
+              <a:buNone/>
+            </a:pPr>
             <a:br>
               <a:rPr lang="en-GB" dirty="0"/>
             </a:br>
@@ -14738,10 +14746,10 @@
       </p:sp>
       <p:pic>
         <p:nvPicPr>
-          <p:cNvPr id="3" name="Immagine 2" descr="Immagine che contiene tavolo&#10;&#10;Descrizione generata automaticamente">
+          <p:cNvPr id="19" name="Immagine 18" descr="Immagine che contiene testo, schermata, numero, Carattere&#10;&#10;Descrizione generata automaticamente">
             <a:extLst>
               <a:ext uri="{FF2B5EF4-FFF2-40B4-BE49-F238E27FC236}">
-                <a16:creationId xmlns:a16="http://schemas.microsoft.com/office/drawing/2014/main" id="{0FB9B444-C80A-170C-7CC2-B12D3B289916}"/>
+                <a16:creationId xmlns:a16="http://schemas.microsoft.com/office/drawing/2014/main" id="{8E4BF6DB-08EC-874B-D103-5910D9264060}"/>
               </a:ext>
             </a:extLst>
           </p:cNvPr>
@@ -14758,8 +14766,8 @@
         </p:blipFill>
         <p:spPr>
           <a:xfrm>
-            <a:off x="685800" y="1704109"/>
-            <a:ext cx="7772400" cy="3108960"/>
+            <a:off x="685800" y="1384167"/>
+            <a:ext cx="7772400" cy="3670566"/>
           </a:xfrm>
           <a:prstGeom prst="rect">
             <a:avLst/>
@@ -14842,8 +14850,8 @@
         </p:nvSpPr>
         <p:spPr>
           <a:xfrm>
-            <a:off x="162750" y="1082248"/>
-            <a:ext cx="8818500" cy="5512515"/>
+            <a:off x="162750" y="939373"/>
+            <a:ext cx="8818500" cy="5690027"/>
           </a:xfrm>
           <a:prstGeom prst="rect">
             <a:avLst/>
@@ -14904,11 +14912,11 @@
             </a:r>
             <a:r>
               <a:rPr lang="en-GB" dirty="0"/>
-              <a:t>, and </a:t>
+              <a:t>, </a:t>
             </a:r>
             <a:r>
               <a:rPr lang="en-GB" b="1" dirty="0"/>
-              <a:t>T11 Consensus theorems</a:t>
+              <a:t>T11 Consensus theorems, T13 Absorption</a:t>
             </a:r>
           </a:p>
           <a:p>
@@ -14980,7 +14988,7 @@
             </a:r>
             <a:r>
               <a:rPr lang="en-GB" dirty="0"/>
-              <a:t>) = (T8 Distributivity)</a:t>
+              <a:t>) = (T8Distributivity)</a:t>
             </a:r>
             <a:br>
               <a:rPr lang="en-GB" dirty="0"/>
@@ -14996,6 +15004,71 @@
               <a:rPr lang="en-GB" dirty="0"/>
               <a:t>= B (T1 Identity)</a:t>
             </a:r>
+          </a:p>
+          <a:p>
+            <a:pPr lvl="2"/>
+            <a:r>
+              <a:rPr lang="en-GB" dirty="0"/>
+              <a:t>B•C + </a:t>
+            </a:r>
+            <a:r>
+              <a:rPr lang="en-GB" u="sng" dirty="0"/>
+              <a:t>B</a:t>
+            </a:r>
+            <a:r>
+              <a:rPr lang="en-GB" dirty="0"/>
+              <a:t> = (B+</a:t>
+            </a:r>
+            <a:r>
+              <a:rPr lang="en-GB" u="sng" dirty="0"/>
+              <a:t>B)</a:t>
+            </a:r>
+            <a:r>
+              <a:rPr lang="en-GB" dirty="0"/>
+              <a:t> • (C+</a:t>
+            </a:r>
+            <a:r>
+              <a:rPr lang="en-GB" u="sng" dirty="0"/>
+              <a:t>B</a:t>
+            </a:r>
+            <a:r>
+              <a:rPr lang="en-GB" dirty="0"/>
+              <a:t>)= (T8’ Distributivity)</a:t>
+            </a:r>
+            <a:br>
+              <a:rPr lang="en-GB" dirty="0"/>
+            </a:br>
+            <a:r>
+              <a:rPr lang="en-GB" dirty="0"/>
+              <a:t>= (1) •  (C+</a:t>
+            </a:r>
+            <a:r>
+              <a:rPr lang="en-GB" u="sng" dirty="0"/>
+              <a:t>B</a:t>
+            </a:r>
+            <a:r>
+              <a:rPr lang="en-GB" dirty="0"/>
+              <a:t>) = (T5’ Complements)</a:t>
+            </a:r>
+            <a:br>
+              <a:rPr lang="en-GB" dirty="0"/>
+            </a:br>
+            <a:r>
+              <a:rPr lang="en-GB" dirty="0"/>
+              <a:t>= C+</a:t>
+            </a:r>
+            <a:r>
+              <a:rPr lang="en-GB" u="sng" dirty="0"/>
+              <a:t>B</a:t>
+            </a:r>
+            <a:r>
+              <a:rPr lang="en-GB" dirty="0"/>
+              <a:t> (T1 Identity)</a:t>
+            </a:r>
+          </a:p>
+          <a:p>
+            <a:pPr lvl="2"/>
+            <a:endParaRPr lang="en-GB" dirty="0"/>
           </a:p>
           <a:p>
             <a:pPr marL="590550" lvl="1" indent="0">
@@ -15429,7 +15502,9 @@
             </a:r>
           </a:p>
           <a:p>
-            <a:pPr lvl="1"/>
+            <a:pPr marL="590550" lvl="1" indent="0">
+              <a:buNone/>
+            </a:pPr>
             <a:endParaRPr lang="en-GB" dirty="0"/>
           </a:p>
           <a:p>
@@ -22546,7 +22621,7 @@
             </a:r>
             <a:r>
               <a:rPr lang="en-GB" dirty="0"/>
-              <a:t> is an implicant involving all of the inputs to the function</a:t>
+              <a:t> is an implicant involving all the inputs to the function</a:t>
             </a:r>
           </a:p>
           <a:p>
@@ -22585,7 +22660,7 @@
             </a:r>
             <a:r>
               <a:rPr lang="en-GB" dirty="0"/>
-              <a:t> is a sum involving all of the inputs to the function</a:t>
+              <a:t> is a sum involving all the inputs to the function</a:t>
             </a:r>
           </a:p>
           <a:p>
@@ -24237,7 +24312,15 @@
             <a:pPr lvl="0"/>
             <a:r>
               <a:rPr lang="en-GB" dirty="0"/>
-              <a:t>The order of operations is important when interpreting equations</a:t>
+              <a:t>The </a:t>
+            </a:r>
+            <a:r>
+              <a:rPr lang="en-GB" b="1" dirty="0"/>
+              <a:t>order of operations</a:t>
+            </a:r>
+            <a:r>
+              <a:rPr lang="en-GB" dirty="0"/>
+              <a:t> is important when interpreting equations</a:t>
             </a:r>
           </a:p>
           <a:p>
@@ -25737,10 +25820,10 @@
             </a:r>
           </a:p>
           <a:p>
-            <a:pPr lvl="2"/>
-            <a:r>
-              <a:rPr lang="en-GB" dirty="0"/>
-              <a:t>In some cases simpler because variables have only two possible values: 0 or 1</a:t>
+            <a:pPr lvl="1"/>
+            <a:r>
+              <a:rPr lang="en-GB" dirty="0"/>
+              <a:t>in some cases simpler, because variables have only two possible values</a:t>
             </a:r>
           </a:p>
           <a:p>
@@ -25754,7 +25837,7 @@
             </a:r>
             <a:r>
               <a:rPr lang="en-GB" dirty="0"/>
-              <a:t> that we assume are correct</a:t>
+              <a:t> that we assume as correct</a:t>
             </a:r>
           </a:p>
           <a:p>
@@ -25800,7 +25883,7 @@
             </a:r>
             <a:r>
               <a:rPr lang="en-GB" dirty="0"/>
-              <a:t>if the symbols 0 and 1 and the operators • (AND) and + (OR) are interchanged, the statement will still be correct. </a:t>
+              <a:t>if the symbols 0 and 1 and the operators • (AND) and + (OR) are interchanged, the statement will still be correct </a:t>
             </a:r>
           </a:p>
         </p:txBody>
